--- a/Data_Analytics_2018/PPT/Lesson 18 - Data Analytics - Clustering.pptx
+++ b/Data_Analytics_2018/PPT/Lesson 18 - Data Analytics - Clustering.pptx
@@ -2,7 +2,7 @@
 <file path=ppt/presentation.xml><?xml version="1.0" encoding="utf-8"?>
 <p:presentation xmlns:a="http://schemas.openxmlformats.org/drawingml/2006/main" xmlns:r="http://schemas.openxmlformats.org/officeDocument/2006/relationships" xmlns:p="http://schemas.openxmlformats.org/presentationml/2006/main" showSpecialPlsOnTitleSld="0" saveSubsetFonts="1">
   <p:sldMasterIdLst>
-    <p:sldMasterId id="2147483661" r:id="rId1"/>
+    <p:sldMasterId id="2147483674" r:id="rId1"/>
   </p:sldMasterIdLst>
   <p:notesMasterIdLst>
     <p:notesMasterId r:id="rId39"/>
@@ -239,7 +239,7 @@
           <a:p>
             <a:fld id="{12E2E0BF-1E19-48CE-A5B4-11AA1325EE0B}" type="datetimeFigureOut">
               <a:rPr lang="en-US" smtClean="0"/>
-              <a:t>8/1/2018</a:t>
+              <a:t>8/11/2018</a:t>
             </a:fld>
             <a:endParaRPr lang="en-US" dirty="0"/>
           </a:p>
@@ -404,7 +404,7 @@
           <a:p>
             <a:fld id="{B3E6BC81-1184-4954-A4F1-6E56C89D84BE}" type="datetimeFigureOut">
               <a:rPr lang="en-US" smtClean="0"/>
-              <a:t>8/1/2018</a:t>
+              <a:t>8/11/2018</a:t>
             </a:fld>
             <a:endParaRPr lang="en-US" dirty="0"/>
           </a:p>
@@ -804,7 +804,7 @@
         </p:nvSpPr>
         <p:spPr>
           <a:xfrm>
-            <a:off x="152400" y="6443433"/>
+            <a:off x="152400" y="6485768"/>
             <a:ext cx="2743200" cy="365125"/>
           </a:xfrm>
         </p:spPr>
@@ -815,7 +815,7 @@
             <a:fld id="{A24D462D-0ABF-4F66-AA29-FCADD808DF8B}" type="datetime1">
               <a:rPr lang="en-US" smtClean="0"/>
               <a:pPr/>
-              <a:t>8/1/2018</a:t>
+              <a:t>8/11/2018</a:t>
             </a:fld>
             <a:endParaRPr lang="en-US" dirty="0"/>
           </a:p>
@@ -833,7 +833,7 @@
         </p:nvSpPr>
         <p:spPr>
           <a:xfrm>
-            <a:off x="4038600" y="6443434"/>
+            <a:off x="4038600" y="6485769"/>
             <a:ext cx="4114800" cy="365125"/>
           </a:xfrm>
         </p:spPr>
@@ -861,7 +861,7 @@
         </p:nvSpPr>
         <p:spPr>
           <a:xfrm>
-            <a:off x="9361714" y="6443432"/>
+            <a:off x="9361714" y="6485767"/>
             <a:ext cx="2743200" cy="365125"/>
           </a:xfrm>
         </p:spPr>
@@ -881,7 +881,7 @@
     </p:spTree>
     <p:extLst>
       <p:ext uri="{BB962C8B-B14F-4D97-AF65-F5344CB8AC3E}">
-        <p14:creationId xmlns:p14="http://schemas.microsoft.com/office/powerpoint/2010/main" val="324077693"/>
+        <p14:creationId xmlns:p14="http://schemas.microsoft.com/office/powerpoint/2010/main" val="3247085375"/>
       </p:ext>
     </p:extLst>
   </p:cSld>
@@ -1086,7 +1086,7 @@
           <a:p>
             <a:fld id="{E07E8265-18F4-4680-A16E-90ED1CF19BF4}" type="datetime1">
               <a:rPr lang="en-US" smtClean="0"/>
-              <a:t>8/1/2018</a:t>
+              <a:t>8/11/2018</a:t>
             </a:fld>
             <a:endParaRPr lang="en-US" dirty="0"/>
           </a:p>
@@ -1141,7 +1141,7 @@
     </p:spTree>
     <p:extLst>
       <p:ext uri="{BB962C8B-B14F-4D97-AF65-F5344CB8AC3E}">
-        <p14:creationId xmlns:p14="http://schemas.microsoft.com/office/powerpoint/2010/main" val="1340313568"/>
+        <p14:creationId xmlns:p14="http://schemas.microsoft.com/office/powerpoint/2010/main" val="2587651691"/>
       </p:ext>
     </p:extLst>
   </p:cSld>
@@ -1263,7 +1263,7 @@
           <a:p>
             <a:fld id="{50A3F95B-AA19-4AF1-8E3F-0C1F80E644D7}" type="datetime1">
               <a:rPr lang="en-US" smtClean="0"/>
-              <a:t>8/1/2018</a:t>
+              <a:t>8/11/2018</a:t>
             </a:fld>
             <a:endParaRPr lang="en-US" dirty="0"/>
           </a:p>
@@ -1318,7 +1318,7 @@
     </p:spTree>
     <p:extLst>
       <p:ext uri="{BB962C8B-B14F-4D97-AF65-F5344CB8AC3E}">
-        <p14:creationId xmlns:p14="http://schemas.microsoft.com/office/powerpoint/2010/main" val="1528176127"/>
+        <p14:creationId xmlns:p14="http://schemas.microsoft.com/office/powerpoint/2010/main" val="3637103660"/>
       </p:ext>
     </p:extLst>
   </p:cSld>
@@ -1445,7 +1445,7 @@
           <a:p>
             <a:fld id="{CCDBCEF4-92B1-4F4B-B523-BAFBFD103FD6}" type="datetime1">
               <a:rPr lang="en-US" smtClean="0"/>
-              <a:t>8/1/2018</a:t>
+              <a:t>8/11/2018</a:t>
             </a:fld>
             <a:endParaRPr lang="en-US" dirty="0"/>
           </a:p>
@@ -1500,7 +1500,7 @@
     </p:spTree>
     <p:extLst>
       <p:ext uri="{BB962C8B-B14F-4D97-AF65-F5344CB8AC3E}">
-        <p14:creationId xmlns:p14="http://schemas.microsoft.com/office/powerpoint/2010/main" val="2541478484"/>
+        <p14:creationId xmlns:p14="http://schemas.microsoft.com/office/powerpoint/2010/main" val="3203410320"/>
       </p:ext>
     </p:extLst>
   </p:cSld>
@@ -1671,7 +1671,7 @@
             <a:fld id="{13570084-B57A-493D-8A30-572F2D9F55F8}" type="datetime1">
               <a:rPr lang="en-US" smtClean="0"/>
               <a:pPr/>
-              <a:t>8/1/2018</a:t>
+              <a:t>8/11/2018</a:t>
             </a:fld>
             <a:endParaRPr lang="en-US" dirty="0"/>
           </a:p>
@@ -1751,7 +1751,7 @@
     </p:spTree>
     <p:extLst>
       <p:ext uri="{BB962C8B-B14F-4D97-AF65-F5344CB8AC3E}">
-        <p14:creationId xmlns:p14="http://schemas.microsoft.com/office/powerpoint/2010/main" val="1334100299"/>
+        <p14:creationId xmlns:p14="http://schemas.microsoft.com/office/powerpoint/2010/main" val="1766015508"/>
       </p:ext>
     </p:extLst>
   </p:cSld>
@@ -1868,7 +1868,7 @@
             <a:lvl1pPr>
               <a:defRPr>
                 <a:solidFill>
-                  <a:srgbClr val="0070C0"/>
+                  <a:srgbClr val="00B4B0"/>
                 </a:solidFill>
               </a:defRPr>
             </a:lvl1pPr>
@@ -1877,7 +1877,7 @@
             <a:fld id="{13570084-B57A-493D-8A30-572F2D9F55F8}" type="datetime1">
               <a:rPr lang="en-US" smtClean="0"/>
               <a:pPr/>
-              <a:t>8/1/2018</a:t>
+              <a:t>8/11/2018</a:t>
             </a:fld>
             <a:endParaRPr lang="en-US" dirty="0"/>
           </a:p>
@@ -1900,7 +1900,7 @@
             <a:lvl1pPr>
               <a:defRPr>
                 <a:solidFill>
-                  <a:srgbClr val="0070C0"/>
+                  <a:srgbClr val="00B4B0"/>
                 </a:solidFill>
               </a:defRPr>
             </a:lvl1pPr>
@@ -1915,36 +1915,6 @@
           </a:p>
         </p:txBody>
       </p:sp>
-      <p:cxnSp>
-        <p:nvCxnSpPr>
-          <p:cNvPr id="9" name="Straight Connector 8"/>
-          <p:cNvCxnSpPr/>
-          <p:nvPr/>
-        </p:nvCxnSpPr>
-        <p:spPr>
-          <a:xfrm>
-            <a:off x="0" y="6342743"/>
-            <a:ext cx="12192000" cy="0"/>
-          </a:xfrm>
-          <a:prstGeom prst="line">
-            <a:avLst/>
-          </a:prstGeom>
-        </p:spPr>
-        <p:style>
-          <a:lnRef idx="1">
-            <a:schemeClr val="accent1"/>
-          </a:lnRef>
-          <a:fillRef idx="0">
-            <a:schemeClr val="accent1"/>
-          </a:fillRef>
-          <a:effectRef idx="0">
-            <a:schemeClr val="accent1"/>
-          </a:effectRef>
-          <a:fontRef idx="minor">
-            <a:schemeClr val="tx1"/>
-          </a:fontRef>
-        </p:style>
-      </p:cxnSp>
       <p:sp>
         <p:nvSpPr>
           <p:cNvPr id="10" name="Footer Placeholder 4"/>
@@ -1970,7 +1940,7 @@
             <a:lvl1pPr algn="ctr">
               <a:defRPr sz="1200">
                 <a:solidFill>
-                  <a:srgbClr val="0070C0"/>
+                  <a:srgbClr val="00B4B0"/>
                 </a:solidFill>
               </a:defRPr>
             </a:lvl1pPr>
@@ -1986,10 +1956,10 @@
       </p:sp>
       <p:cxnSp>
         <p:nvCxnSpPr>
-          <p:cNvPr id="8" name="Straight Connector 7">
+          <p:cNvPr id="7" name="Straight Connector 6">
             <a:extLst>
               <a:ext uri="{FF2B5EF4-FFF2-40B4-BE49-F238E27FC236}">
-                <a16:creationId xmlns:a16="http://schemas.microsoft.com/office/drawing/2014/main" id="{D1CC344E-0D10-43C3-A406-9631139E7ECF}"/>
+                <a16:creationId xmlns:a16="http://schemas.microsoft.com/office/drawing/2014/main" id="{137C42E1-A1D0-4600-A968-2A16F809BF71}"/>
               </a:ext>
             </a:extLst>
           </p:cNvPr>
@@ -2028,7 +1998,7 @@
     </p:spTree>
     <p:extLst>
       <p:ext uri="{BB962C8B-B14F-4D97-AF65-F5344CB8AC3E}">
-        <p14:creationId xmlns:p14="http://schemas.microsoft.com/office/powerpoint/2010/main" val="1274283457"/>
+        <p14:creationId xmlns:p14="http://schemas.microsoft.com/office/powerpoint/2010/main" val="69791396"/>
       </p:ext>
     </p:extLst>
   </p:cSld>
@@ -2228,7 +2198,7 @@
             <a:fld id="{8F7D0969-017A-4CFD-B470-B6959400D96E}" type="datetime1">
               <a:rPr lang="en-US" smtClean="0"/>
               <a:pPr/>
-              <a:t>8/1/2018</a:t>
+              <a:t>8/11/2018</a:t>
             </a:fld>
             <a:endParaRPr lang="en-US" dirty="0"/>
           </a:p>
@@ -2284,7 +2254,7 @@
     </p:spTree>
     <p:extLst>
       <p:ext uri="{BB962C8B-B14F-4D97-AF65-F5344CB8AC3E}">
-        <p14:creationId xmlns:p14="http://schemas.microsoft.com/office/powerpoint/2010/main" val="3289071467"/>
+        <p14:creationId xmlns:p14="http://schemas.microsoft.com/office/powerpoint/2010/main" val="97296744"/>
       </p:ext>
     </p:extLst>
   </p:cSld>
@@ -2330,6 +2300,7 @@
               <a:rPr lang="en-US"/>
               <a:t>Click to edit Master title style</a:t>
             </a:r>
+            <a:endParaRPr lang="en-US" dirty="0"/>
           </a:p>
         </p:txBody>
       </p:sp>
@@ -2345,8 +2316,8 @@
         </p:nvSpPr>
         <p:spPr>
           <a:xfrm>
-            <a:off x="838200" y="1825625"/>
-            <a:ext cx="5181600" cy="4351338"/>
+            <a:off x="406400" y="1354666"/>
+            <a:ext cx="5613400" cy="5046134"/>
           </a:xfrm>
         </p:spPr>
         <p:txBody>
@@ -2453,8 +2424,8 @@
         </p:nvSpPr>
         <p:spPr>
           <a:xfrm>
-            <a:off x="6172200" y="1825625"/>
-            <a:ext cx="5181600" cy="4351338"/>
+            <a:off x="6172199" y="1354666"/>
+            <a:ext cx="5469467" cy="5046134"/>
           </a:xfrm>
         </p:spPr>
         <p:txBody>
@@ -2494,6 +2465,7 @@
               <a:rPr lang="en-US"/>
               <a:t>Fifth level</a:t>
             </a:r>
+            <a:endParaRPr lang="en-US" dirty="0"/>
           </a:p>
         </p:txBody>
       </p:sp>
@@ -2515,7 +2487,7 @@
             <a:fld id="{E7244459-F2A5-4FF9-8125-3DD79827DEF5}" type="datetime1">
               <a:rPr lang="en-US" smtClean="0"/>
               <a:pPr/>
-              <a:t>8/1/2018</a:t>
+              <a:t>8/11/2018</a:t>
             </a:fld>
             <a:endParaRPr lang="en-US" dirty="0"/>
           </a:p>
@@ -2571,7 +2543,7 @@
     </p:spTree>
     <p:extLst>
       <p:ext uri="{BB962C8B-B14F-4D97-AF65-F5344CB8AC3E}">
-        <p14:creationId xmlns:p14="http://schemas.microsoft.com/office/powerpoint/2010/main" val="3016440810"/>
+        <p14:creationId xmlns:p14="http://schemas.microsoft.com/office/powerpoint/2010/main" val="2900589180"/>
       </p:ext>
     </p:extLst>
   </p:cSld>
@@ -2610,8 +2582,8 @@
         </p:nvSpPr>
         <p:spPr>
           <a:xfrm>
-            <a:off x="839788" y="161926"/>
-            <a:ext cx="8536439" cy="1325563"/>
+            <a:off x="381000" y="5555"/>
+            <a:ext cx="10151533" cy="1325563"/>
           </a:xfrm>
         </p:spPr>
         <p:txBody>
@@ -2632,17 +2604,17 @@
             <a:spLocks noGrp="1"/>
           </p:cNvSpPr>
           <p:nvPr>
-            <p:ph type="body" idx="1"/>
+            <p:ph type="body" idx="1" hasCustomPrompt="1"/>
           </p:nvPr>
         </p:nvSpPr>
         <p:spPr>
           <a:xfrm>
-            <a:off x="839788" y="1681163"/>
-            <a:ext cx="5157787" cy="823912"/>
+            <a:off x="381000" y="1444096"/>
+            <a:ext cx="5616575" cy="823912"/>
           </a:xfrm>
         </p:spPr>
         <p:txBody>
-          <a:bodyPr anchor="b"/>
+          <a:bodyPr anchor="ctr"/>
           <a:lstStyle>
             <a:lvl1pPr marL="0" indent="0">
               <a:buNone/>
@@ -2684,8 +2656,8 @@
           <a:p>
             <a:pPr lvl="0"/>
             <a:r>
-              <a:rPr lang="en-US"/>
-              <a:t>Edit Master text styles</a:t>
+              <a:rPr lang="en-US" dirty="0"/>
+              <a:t>Click to edit Master text styles</a:t>
             </a:r>
           </a:p>
         </p:txBody>
@@ -2702,8 +2674,8 @@
         </p:nvSpPr>
         <p:spPr>
           <a:xfrm>
-            <a:off x="839788" y="2505075"/>
-            <a:ext cx="5157787" cy="3684588"/>
+            <a:off x="381000" y="2268007"/>
+            <a:ext cx="5616575" cy="4014259"/>
           </a:xfrm>
         </p:spPr>
         <p:txBody>
@@ -2753,17 +2725,17 @@
             <a:spLocks noGrp="1"/>
           </p:cNvSpPr>
           <p:nvPr>
-            <p:ph type="body" sz="quarter" idx="3"/>
+            <p:ph type="body" sz="quarter" idx="3" hasCustomPrompt="1"/>
           </p:nvPr>
         </p:nvSpPr>
         <p:spPr>
           <a:xfrm>
-            <a:off x="6172200" y="1681163"/>
-            <a:ext cx="5183188" cy="823912"/>
+            <a:off x="6172200" y="1444096"/>
+            <a:ext cx="5638800" cy="823912"/>
           </a:xfrm>
         </p:spPr>
         <p:txBody>
-          <a:bodyPr anchor="b"/>
+          <a:bodyPr anchor="ctr"/>
           <a:lstStyle>
             <a:lvl1pPr marL="0" indent="0">
               <a:buNone/>
@@ -2805,8 +2777,8 @@
           <a:p>
             <a:pPr lvl="0"/>
             <a:r>
-              <a:rPr lang="en-US"/>
-              <a:t>Edit Master text styles</a:t>
+              <a:rPr lang="en-US" dirty="0"/>
+              <a:t>Click to edit Master text styles</a:t>
             </a:r>
           </a:p>
         </p:txBody>
@@ -2823,8 +2795,8 @@
         </p:nvSpPr>
         <p:spPr>
           <a:xfrm>
-            <a:off x="6172200" y="2505075"/>
-            <a:ext cx="5183188" cy="3684588"/>
+            <a:off x="6172199" y="2268007"/>
+            <a:ext cx="5616575" cy="4014259"/>
           </a:xfrm>
         </p:spPr>
         <p:txBody>
@@ -2884,7 +2856,7 @@
           <a:p>
             <a:fld id="{B3A53202-F90A-473F-9577-0694CB3DE811}" type="datetime1">
               <a:rPr lang="en-US" smtClean="0"/>
-              <a:t>8/1/2018</a:t>
+              <a:t>8/11/2018</a:t>
             </a:fld>
             <a:endParaRPr lang="en-US" dirty="0"/>
           </a:p>
@@ -2941,7 +2913,7 @@
           <p:cNvPr id="10" name="Straight Connector 9">
             <a:extLst>
               <a:ext uri="{FF2B5EF4-FFF2-40B4-BE49-F238E27FC236}">
-                <a16:creationId xmlns:a16="http://schemas.microsoft.com/office/drawing/2014/main" id="{183EA5F9-FCD4-4267-ADF3-7B61D3536117}"/>
+                <a16:creationId xmlns:a16="http://schemas.microsoft.com/office/drawing/2014/main" id="{F1665995-B211-4AEC-AA70-14BEC2CF394E}"/>
               </a:ext>
             </a:extLst>
           </p:cNvPr>
@@ -2975,7 +2947,7 @@
     </p:spTree>
     <p:extLst>
       <p:ext uri="{BB962C8B-B14F-4D97-AF65-F5344CB8AC3E}">
-        <p14:creationId xmlns:p14="http://schemas.microsoft.com/office/powerpoint/2010/main" val="3927352365"/>
+        <p14:creationId xmlns:p14="http://schemas.microsoft.com/office/powerpoint/2010/main" val="1294513868"/>
       </p:ext>
     </p:extLst>
   </p:cSld>
@@ -3055,7 +3027,7 @@
             <a:fld id="{64FA1387-E9BD-4269-B052-15A23CD1D16B}" type="datetime1">
               <a:rPr lang="en-US" smtClean="0"/>
               <a:pPr/>
-              <a:t>8/1/2018</a:t>
+              <a:t>8/11/2018</a:t>
             </a:fld>
             <a:endParaRPr lang="en-US" dirty="0"/>
           </a:p>
@@ -3135,7 +3107,7 @@
     </p:spTree>
     <p:extLst>
       <p:ext uri="{BB962C8B-B14F-4D97-AF65-F5344CB8AC3E}">
-        <p14:creationId xmlns:p14="http://schemas.microsoft.com/office/powerpoint/2010/main" val="170358705"/>
+        <p14:creationId xmlns:p14="http://schemas.microsoft.com/office/powerpoint/2010/main" val="239911952"/>
       </p:ext>
     </p:extLst>
   </p:cSld>
@@ -3179,7 +3151,7 @@
           <a:p>
             <a:fld id="{A197E209-8033-4044-BA05-35D0B8A61D52}" type="datetime1">
               <a:rPr lang="en-US" smtClean="0"/>
-              <a:t>8/1/2018</a:t>
+              <a:t>8/11/2018</a:t>
             </a:fld>
             <a:endParaRPr lang="en-US" dirty="0"/>
           </a:p>
@@ -3234,7 +3206,7 @@
     </p:spTree>
     <p:extLst>
       <p:ext uri="{BB962C8B-B14F-4D97-AF65-F5344CB8AC3E}">
-        <p14:creationId xmlns:p14="http://schemas.microsoft.com/office/powerpoint/2010/main" val="996676503"/>
+        <p14:creationId xmlns:p14="http://schemas.microsoft.com/office/powerpoint/2010/main" val="3788413836"/>
       </p:ext>
     </p:extLst>
   </p:cSld>
@@ -3458,7 +3430,7 @@
           <a:p>
             <a:fld id="{488CFC0E-11F7-458D-9C54-1B7C7C814EDD}" type="datetime1">
               <a:rPr lang="en-US" smtClean="0"/>
-              <a:t>8/1/2018</a:t>
+              <a:t>8/11/2018</a:t>
             </a:fld>
             <a:endParaRPr lang="en-US" dirty="0"/>
           </a:p>
@@ -3513,7 +3485,7 @@
     </p:spTree>
     <p:extLst>
       <p:ext uri="{BB962C8B-B14F-4D97-AF65-F5344CB8AC3E}">
-        <p14:creationId xmlns:p14="http://schemas.microsoft.com/office/powerpoint/2010/main" val="3286245122"/>
+        <p14:creationId xmlns:p14="http://schemas.microsoft.com/office/powerpoint/2010/main" val="2226217322"/>
       </p:ext>
     </p:extLst>
   </p:cSld>
@@ -3690,8 +3662,8 @@
         </p:nvSpPr>
         <p:spPr>
           <a:xfrm>
-            <a:off x="406400" y="91440"/>
-            <a:ext cx="11393714" cy="1234123"/>
+            <a:off x="406400" y="6770"/>
+            <a:ext cx="10049933" cy="1234123"/>
           </a:xfrm>
           <a:prstGeom prst="rect">
             <a:avLst/>
@@ -3722,8 +3694,8 @@
         </p:nvSpPr>
         <p:spPr>
           <a:xfrm>
-            <a:off x="406400" y="1489166"/>
-            <a:ext cx="11393714" cy="4687797"/>
+            <a:off x="406400" y="1337187"/>
+            <a:ext cx="11393714" cy="5064803"/>
           </a:xfrm>
           <a:prstGeom prst="rect">
             <a:avLst/>
@@ -3806,7 +3778,7 @@
             <a:fld id="{DA3380A9-99D8-412F-8F98-2C2792A83619}" type="datetime1">
               <a:rPr lang="en-US" smtClean="0"/>
               <a:pPr/>
-              <a:t>8/1/2018</a:t>
+              <a:t>8/11/2018</a:t>
             </a:fld>
             <a:endParaRPr lang="en-US" dirty="0"/>
           </a:p>
@@ -3932,27 +3904,70 @@
           </a:fontRef>
         </p:style>
       </p:cxnSp>
+      <p:pic>
+        <p:nvPicPr>
+          <p:cNvPr id="10" name="Picture 9" descr="A close up of a sign&#10;&#10;Description generated with very high confidence">
+            <a:extLst>
+              <a:ext uri="{FF2B5EF4-FFF2-40B4-BE49-F238E27FC236}">
+                <a16:creationId xmlns:a16="http://schemas.microsoft.com/office/drawing/2014/main" id="{6D9D6532-6138-406D-8115-7BAFD8D73FEB}"/>
+              </a:ext>
+            </a:extLst>
+          </p:cNvPr>
+          <p:cNvPicPr>
+            <a:picLocks noChangeAspect="1"/>
+          </p:cNvPicPr>
+          <p:nvPr/>
+        </p:nvPicPr>
+        <p:blipFill>
+          <a:blip r:embed="rId16">
+            <a:duotone>
+              <a:schemeClr val="bg2">
+                <a:shade val="45000"/>
+                <a:satMod val="135000"/>
+              </a:schemeClr>
+              <a:prstClr val="white"/>
+            </a:duotone>
+            <a:extLst>
+              <a:ext uri="{28A0092B-C50C-407E-A947-70E740481C1C}">
+                <a14:useLocalDpi xmlns:a14="http://schemas.microsoft.com/office/drawing/2010/main" val="0"/>
+              </a:ext>
+            </a:extLst>
+          </a:blip>
+          <a:stretch>
+            <a:fillRect/>
+          </a:stretch>
+        </p:blipFill>
+        <p:spPr>
+          <a:xfrm>
+            <a:off x="10634133" y="96294"/>
+            <a:ext cx="1165981" cy="1229580"/>
+          </a:xfrm>
+          <a:prstGeom prst="rect">
+            <a:avLst/>
+          </a:prstGeom>
+        </p:spPr>
+      </p:pic>
     </p:spTree>
     <p:extLst>
       <p:ext uri="{BB962C8B-B14F-4D97-AF65-F5344CB8AC3E}">
-        <p14:creationId xmlns:p14="http://schemas.microsoft.com/office/powerpoint/2010/main" val="661160138"/>
+        <p14:creationId xmlns:p14="http://schemas.microsoft.com/office/powerpoint/2010/main" val="1976273531"/>
       </p:ext>
     </p:extLst>
   </p:cSld>
   <p:clrMap bg1="lt1" tx1="dk1" bg2="lt2" tx2="dk2" accent1="accent1" accent2="accent2" accent3="accent3" accent4="accent4" accent5="accent5" accent6="accent6" hlink="hlink" folHlink="folHlink"/>
   <p:sldLayoutIdLst>
-    <p:sldLayoutId id="2147483662" r:id="rId1"/>
-    <p:sldLayoutId id="2147483663" r:id="rId2"/>
-    <p:sldLayoutId id="2147483664" r:id="rId3"/>
-    <p:sldLayoutId id="2147483665" r:id="rId4"/>
-    <p:sldLayoutId id="2147483666" r:id="rId5"/>
-    <p:sldLayoutId id="2147483667" r:id="rId6"/>
-    <p:sldLayoutId id="2147483668" r:id="rId7"/>
-    <p:sldLayoutId id="2147483669" r:id="rId8"/>
-    <p:sldLayoutId id="2147483670" r:id="rId9"/>
-    <p:sldLayoutId id="2147483671" r:id="rId10"/>
-    <p:sldLayoutId id="2147483672" r:id="rId11"/>
-    <p:sldLayoutId id="2147483673" r:id="rId12"/>
+    <p:sldLayoutId id="2147483675" r:id="rId1"/>
+    <p:sldLayoutId id="2147483676" r:id="rId2"/>
+    <p:sldLayoutId id="2147483677" r:id="rId3"/>
+    <p:sldLayoutId id="2147483678" r:id="rId4"/>
+    <p:sldLayoutId id="2147483679" r:id="rId5"/>
+    <p:sldLayoutId id="2147483680" r:id="rId6"/>
+    <p:sldLayoutId id="2147483681" r:id="rId7"/>
+    <p:sldLayoutId id="2147483682" r:id="rId8"/>
+    <p:sldLayoutId id="2147483683" r:id="rId9"/>
+    <p:sldLayoutId id="2147483684" r:id="rId10"/>
+    <p:sldLayoutId id="2147483685" r:id="rId11"/>
+    <p:sldLayoutId id="2147483686" r:id="rId12"/>
   </p:sldLayoutIdLst>
   <p:hf hdr="0"/>
   <p:txStyles>
@@ -4468,7 +4483,7 @@
           <a:p>
             <a:fld id="{E7244459-F2A5-4FF9-8125-3DD79827DEF5}" type="datetime1">
               <a:rPr lang="en-US" smtClean="0"/>
-              <a:t>8/1/2018</a:t>
+              <a:t>8/11/2018</a:t>
             </a:fld>
             <a:endParaRPr lang="en-US" dirty="0"/>
           </a:p>
@@ -4645,7 +4660,7 @@
             <a:fld id="{13570084-B57A-493D-8A30-572F2D9F55F8}" type="datetime1">
               <a:rPr lang="en-US" smtClean="0"/>
               <a:pPr/>
-              <a:t>8/1/2018</a:t>
+              <a:t>8/11/2018</a:t>
             </a:fld>
             <a:endParaRPr lang="en-US" dirty="0"/>
           </a:p>
@@ -4946,7 +4961,7 @@
           <a:p>
             <a:fld id="{E7244459-F2A5-4FF9-8125-3DD79827DEF5}" type="datetime1">
               <a:rPr lang="en-US" smtClean="0"/>
-              <a:t>8/1/2018</a:t>
+              <a:t>8/11/2018</a:t>
             </a:fld>
             <a:endParaRPr lang="en-US" dirty="0"/>
           </a:p>
@@ -5346,7 +5361,7 @@
           <a:p>
             <a:fld id="{E7244459-F2A5-4FF9-8125-3DD79827DEF5}" type="datetime1">
               <a:rPr lang="en-US" smtClean="0"/>
-              <a:t>8/1/2018</a:t>
+              <a:t>8/11/2018</a:t>
             </a:fld>
             <a:endParaRPr lang="en-US" dirty="0"/>
           </a:p>
@@ -5467,7 +5482,7 @@
           <a:p>
             <a:fld id="{E7244459-F2A5-4FF9-8125-3DD79827DEF5}" type="datetime1">
               <a:rPr lang="en-US" smtClean="0"/>
-              <a:t>8/1/2018</a:t>
+              <a:t>8/11/2018</a:t>
             </a:fld>
             <a:endParaRPr lang="en-US" dirty="0"/>
           </a:p>
@@ -6104,7 +6119,7 @@
           <a:p>
             <a:fld id="{E7244459-F2A5-4FF9-8125-3DD79827DEF5}" type="datetime1">
               <a:rPr lang="en-US" smtClean="0"/>
-              <a:t>8/1/2018</a:t>
+              <a:t>8/11/2018</a:t>
             </a:fld>
             <a:endParaRPr lang="en-US" dirty="0"/>
           </a:p>
@@ -6749,7 +6764,7 @@
           <a:p>
             <a:fld id="{E7244459-F2A5-4FF9-8125-3DD79827DEF5}" type="datetime1">
               <a:rPr lang="en-US" smtClean="0"/>
-              <a:t>8/1/2018</a:t>
+              <a:t>8/11/2018</a:t>
             </a:fld>
             <a:endParaRPr lang="en-US" dirty="0"/>
           </a:p>
@@ -7042,7 +7057,7 @@
           <a:p>
             <a:fld id="{E7244459-F2A5-4FF9-8125-3DD79827DEF5}" type="datetime1">
               <a:rPr lang="en-US" smtClean="0"/>
-              <a:t>8/1/2018</a:t>
+              <a:t>8/11/2018</a:t>
             </a:fld>
             <a:endParaRPr lang="en-US" dirty="0"/>
           </a:p>
@@ -7229,7 +7244,7 @@
           <a:p>
             <a:fld id="{E7244459-F2A5-4FF9-8125-3DD79827DEF5}" type="datetime1">
               <a:rPr lang="en-US" smtClean="0"/>
-              <a:t>8/1/2018</a:t>
+              <a:t>8/11/2018</a:t>
             </a:fld>
             <a:endParaRPr lang="en-US" dirty="0"/>
           </a:p>
@@ -7537,7 +7552,7 @@
           <a:p>
             <a:fld id="{E7244459-F2A5-4FF9-8125-3DD79827DEF5}" type="datetime1">
               <a:rPr lang="en-US" smtClean="0"/>
-              <a:t>8/1/2018</a:t>
+              <a:t>8/11/2018</a:t>
             </a:fld>
             <a:endParaRPr lang="en-US" dirty="0"/>
           </a:p>
@@ -7716,7 +7731,7 @@
                 </a:solidFill>
               </a:rPr>
               <a:pPr/>
-              <a:t>8/1/2018</a:t>
+              <a:t>8/11/2018</a:t>
             </a:fld>
             <a:endParaRPr lang="en-US" dirty="0">
               <a:solidFill>
@@ -7910,7 +7925,7 @@
           <a:p>
             <a:fld id="{E7244459-F2A5-4FF9-8125-3DD79827DEF5}" type="datetime1">
               <a:rPr lang="en-US" smtClean="0"/>
-              <a:t>8/1/2018</a:t>
+              <a:t>8/11/2018</a:t>
             </a:fld>
             <a:endParaRPr lang="en-US" dirty="0"/>
           </a:p>
@@ -8146,7 +8161,7 @@
           <a:p>
             <a:fld id="{E7244459-F2A5-4FF9-8125-3DD79827DEF5}" type="datetime1">
               <a:rPr lang="en-US" smtClean="0"/>
-              <a:t>8/1/2018</a:t>
+              <a:t>8/11/2018</a:t>
             </a:fld>
             <a:endParaRPr lang="en-US" dirty="0"/>
           </a:p>
@@ -8268,7 +8283,7 @@
         </p:blipFill>
         <p:spPr>
           <a:xfrm>
-            <a:off x="1105190" y="1948913"/>
+            <a:off x="889290" y="1825088"/>
             <a:ext cx="4647619" cy="4104762"/>
           </a:xfrm>
           <a:prstGeom prst="rect">
@@ -8294,8 +8309,8 @@
         </p:blipFill>
         <p:spPr>
           <a:xfrm>
-            <a:off x="6172200" y="1921664"/>
-            <a:ext cx="5181600" cy="4159260"/>
+            <a:off x="6172200" y="1682516"/>
+            <a:ext cx="5468938" cy="4389906"/>
           </a:xfrm>
           <a:prstGeom prst="rect">
             <a:avLst/>
@@ -8319,7 +8334,7 @@
           <a:p>
             <a:fld id="{E7244459-F2A5-4FF9-8125-3DD79827DEF5}" type="datetime1">
               <a:rPr lang="en-US" smtClean="0"/>
-              <a:t>8/1/2018</a:t>
+              <a:t>8/11/2018</a:t>
             </a:fld>
             <a:endParaRPr lang="en-US" dirty="0"/>
           </a:p>
@@ -8441,7 +8456,7 @@
         </p:blipFill>
         <p:spPr>
           <a:xfrm>
-            <a:off x="2598382" y="1566352"/>
+            <a:off x="2598382" y="1602865"/>
             <a:ext cx="7009524" cy="4533333"/>
           </a:xfrm>
           <a:prstGeom prst="rect">
@@ -8466,7 +8481,7 @@
           <a:p>
             <a:fld id="{E7244459-F2A5-4FF9-8125-3DD79827DEF5}" type="datetime1">
               <a:rPr lang="en-US" smtClean="0"/>
-              <a:t>8/1/2018</a:t>
+              <a:t>8/11/2018</a:t>
             </a:fld>
             <a:endParaRPr lang="en-US" dirty="0"/>
           </a:p>
@@ -8570,8 +8585,8 @@
           </a:p>
         </p:txBody>
       </p:sp>
-      <mc:AlternateContent xmlns:mc="http://schemas.openxmlformats.org/markup-compatibility/2006" xmlns:a14="http://schemas.microsoft.com/office/drawing/2010/main">
-        <mc:Choice Requires="a14">
+      <mc:AlternateContent xmlns:mc="http://schemas.openxmlformats.org/markup-compatibility/2006">
+        <mc:Choice xmlns:a14="http://schemas.microsoft.com/office/drawing/2010/main" Requires="a14">
           <p:sp>
             <p:nvSpPr>
               <p:cNvPr id="3" name="Content Placeholder 2"/>
@@ -8585,7 +8600,7 @@
             <p:spPr/>
             <p:txBody>
               <a:bodyPr>
-                <a:normAutofit lnSpcReduction="10000"/>
+                <a:normAutofit/>
               </a:bodyPr>
               <a:lstStyle/>
               <a:p>
@@ -8644,7 +8659,7 @@
             </p:txBody>
           </p:sp>
         </mc:Choice>
-        <mc:Fallback xmlns="">
+        <mc:Fallback>
           <p:sp>
             <p:nvSpPr>
               <p:cNvPr id="3" name="Content Placeholder 2"/>
@@ -8656,10 +8671,10 @@
               </p:nvPr>
             </p:nvSpPr>
             <p:spPr>
-              <a:blipFill rotWithShape="0">
+              <a:blipFill>
                 <a:blip r:embed="rId2"/>
                 <a:stretch>
-                  <a:fillRect l="-963" t="-2861" r="-1284"/>
+                  <a:fillRect l="-963" t="-1925" r="-1284"/>
                 </a:stretch>
               </a:blipFill>
             </p:spPr>
@@ -8695,7 +8710,7 @@
           <a:p>
             <a:fld id="{13570084-B57A-493D-8A30-572F2D9F55F8}" type="datetime1">
               <a:rPr lang="en-US" smtClean="0"/>
-              <a:t>8/1/2018</a:t>
+              <a:t>8/11/2018</a:t>
             </a:fld>
             <a:endParaRPr lang="en-US" dirty="0"/>
           </a:p>
@@ -9058,7 +9073,7 @@
           <a:p>
             <a:fld id="{13570084-B57A-493D-8A30-572F2D9F55F8}" type="datetime1">
               <a:rPr lang="en-US" smtClean="0"/>
-              <a:t>8/1/2018</a:t>
+              <a:t>8/11/2018</a:t>
             </a:fld>
             <a:endParaRPr lang="en-US" dirty="0"/>
           </a:p>
@@ -9273,7 +9288,7 @@
           <a:p>
             <a:fld id="{E7244459-F2A5-4FF9-8125-3DD79827DEF5}" type="datetime1">
               <a:rPr lang="en-US" smtClean="0"/>
-              <a:t>8/1/2018</a:t>
+              <a:t>8/11/2018</a:t>
             </a:fld>
             <a:endParaRPr lang="en-US" dirty="0"/>
           </a:p>
@@ -9481,7 +9496,7 @@
           <a:p>
             <a:fld id="{E7244459-F2A5-4FF9-8125-3DD79827DEF5}" type="datetime1">
               <a:rPr lang="en-US" smtClean="0"/>
-              <a:t>8/1/2018</a:t>
+              <a:t>8/11/2018</a:t>
             </a:fld>
             <a:endParaRPr lang="en-US" dirty="0"/>
           </a:p>
@@ -10507,7 +10522,7 @@
           <a:p>
             <a:fld id="{E7244459-F2A5-4FF9-8125-3DD79827DEF5}" type="datetime1">
               <a:rPr lang="en-US" smtClean="0"/>
-              <a:t>8/1/2018</a:t>
+              <a:t>8/11/2018</a:t>
             </a:fld>
             <a:endParaRPr lang="en-US" dirty="0"/>
           </a:p>
@@ -10914,7 +10929,7 @@
           <a:p>
             <a:fld id="{E7244459-F2A5-4FF9-8125-3DD79827DEF5}" type="datetime1">
               <a:rPr lang="en-US" smtClean="0"/>
-              <a:t>8/1/2018</a:t>
+              <a:t>8/11/2018</a:t>
             </a:fld>
             <a:endParaRPr lang="en-US" dirty="0"/>
           </a:p>
@@ -11212,7 +11227,7 @@
           <a:p>
             <a:fld id="{E7244459-F2A5-4FF9-8125-3DD79827DEF5}" type="datetime1">
               <a:rPr lang="en-US" smtClean="0"/>
-              <a:t>8/1/2018</a:t>
+              <a:t>8/11/2018</a:t>
             </a:fld>
             <a:endParaRPr lang="en-US" dirty="0"/>
           </a:p>
@@ -11360,8 +11375,8 @@
         </p:blipFill>
         <p:spPr>
           <a:xfrm>
-            <a:off x="6172200" y="2021806"/>
-            <a:ext cx="5181600" cy="3958975"/>
+            <a:off x="6172200" y="1788212"/>
+            <a:ext cx="5468938" cy="4178514"/>
           </a:xfrm>
           <a:prstGeom prst="rect">
             <a:avLst/>
@@ -11385,7 +11400,7 @@
           <a:p>
             <a:fld id="{E7244459-F2A5-4FF9-8125-3DD79827DEF5}" type="datetime1">
               <a:rPr lang="en-US" smtClean="0"/>
-              <a:t>8/1/2018</a:t>
+              <a:t>8/11/2018</a:t>
             </a:fld>
             <a:endParaRPr lang="en-US" dirty="0"/>
           </a:p>
@@ -11778,8 +11793,8 @@
         </p:blipFill>
         <p:spPr>
           <a:xfrm>
-            <a:off x="6172200" y="2021806"/>
-            <a:ext cx="5181600" cy="3958975"/>
+            <a:off x="6172200" y="1788212"/>
+            <a:ext cx="5468938" cy="4178514"/>
           </a:xfrm>
           <a:prstGeom prst="rect">
             <a:avLst/>
@@ -11803,7 +11818,7 @@
           <a:p>
             <a:fld id="{E7244459-F2A5-4FF9-8125-3DD79827DEF5}" type="datetime1">
               <a:rPr lang="en-US" smtClean="0"/>
-              <a:t>8/1/2018</a:t>
+              <a:t>8/11/2018</a:t>
             </a:fld>
             <a:endParaRPr lang="en-US" dirty="0"/>
           </a:p>
@@ -12239,7 +12254,7 @@
           <a:p>
             <a:fld id="{E7244459-F2A5-4FF9-8125-3DD79827DEF5}" type="datetime1">
               <a:rPr lang="en-US" smtClean="0"/>
-              <a:t>8/1/2018</a:t>
+              <a:t>8/11/2018</a:t>
             </a:fld>
             <a:endParaRPr lang="en-US" dirty="0"/>
           </a:p>
@@ -12492,7 +12507,7 @@
           <a:p>
             <a:fld id="{E7244459-F2A5-4FF9-8125-3DD79827DEF5}" type="datetime1">
               <a:rPr lang="en-US" smtClean="0"/>
-              <a:t>8/1/2018</a:t>
+              <a:t>8/11/2018</a:t>
             </a:fld>
             <a:endParaRPr lang="en-US" dirty="0"/>
           </a:p>
@@ -12782,7 +12797,7 @@
           <a:p>
             <a:fld id="{E7244459-F2A5-4FF9-8125-3DD79827DEF5}" type="datetime1">
               <a:rPr lang="en-US" smtClean="0"/>
-              <a:t>8/1/2018</a:t>
+              <a:t>8/11/2018</a:t>
             </a:fld>
             <a:endParaRPr lang="en-US" dirty="0"/>
           </a:p>
@@ -12899,7 +12914,7 @@
         <p:spPr/>
         <p:txBody>
           <a:bodyPr>
-            <a:normAutofit fontScale="92500" lnSpcReduction="20000"/>
+            <a:normAutofit fontScale="92500" lnSpcReduction="10000"/>
           </a:bodyPr>
           <a:lstStyle/>
           <a:p>
@@ -13187,7 +13202,7 @@
           <a:p>
             <a:fld id="{E7244459-F2A5-4FF9-8125-3DD79827DEF5}" type="datetime1">
               <a:rPr lang="en-US" smtClean="0"/>
-              <a:t>8/1/2018</a:t>
+              <a:t>8/11/2018</a:t>
             </a:fld>
             <a:endParaRPr lang="en-US" dirty="0"/>
           </a:p>
@@ -13305,7 +13320,7 @@
           <a:p>
             <a:fld id="{E7244459-F2A5-4FF9-8125-3DD79827DEF5}" type="datetime1">
               <a:rPr lang="en-US" smtClean="0"/>
-              <a:t>8/1/2018</a:t>
+              <a:t>8/11/2018</a:t>
             </a:fld>
             <a:endParaRPr lang="en-US" dirty="0"/>
           </a:p>
@@ -13565,7 +13580,7 @@
             <a:fld id="{13570084-B57A-493D-8A30-572F2D9F55F8}" type="datetime1">
               <a:rPr lang="en-US" smtClean="0"/>
               <a:pPr/>
-              <a:t>8/1/2018</a:t>
+              <a:t>8/11/2018</a:t>
             </a:fld>
             <a:endParaRPr lang="en-US" dirty="0"/>
           </a:p>
@@ -13780,7 +13795,7 @@
                   <a:srgbClr val="00CC99"/>
                 </a:solidFill>
               </a:rPr>
-              <a:t>8/1/2018</a:t>
+              <a:t>8/11/2018</a:t>
             </a:fld>
             <a:endParaRPr lang="en-US" dirty="0">
               <a:solidFill>
@@ -13917,7 +13932,7 @@
         <p:spPr/>
         <p:txBody>
           <a:bodyPr>
-            <a:normAutofit fontScale="92500" lnSpcReduction="10000"/>
+            <a:normAutofit/>
           </a:bodyPr>
           <a:lstStyle/>
           <a:p>
@@ -13971,7 +13986,7 @@
         <p:spPr/>
         <p:txBody>
           <a:bodyPr>
-            <a:normAutofit fontScale="92500" lnSpcReduction="10000"/>
+            <a:normAutofit/>
           </a:bodyPr>
           <a:lstStyle/>
           <a:p>
@@ -14018,7 +14033,7 @@
           <a:p>
             <a:fld id="{E7244459-F2A5-4FF9-8125-3DD79827DEF5}" type="datetime1">
               <a:rPr lang="en-US" smtClean="0"/>
-              <a:t>8/1/2018</a:t>
+              <a:t>8/11/2018</a:t>
             </a:fld>
             <a:endParaRPr lang="en-US" dirty="0"/>
           </a:p>
@@ -14142,7 +14157,7 @@
         </p:spPr>
         <p:txBody>
           <a:bodyPr>
-            <a:normAutofit fontScale="85000" lnSpcReduction="20000"/>
+            <a:normAutofit fontScale="92500" lnSpcReduction="20000"/>
           </a:bodyPr>
           <a:lstStyle/>
           <a:p>
@@ -14168,8 +14183,8 @@
           </a:p>
         </p:txBody>
       </p:sp>
-      <mc:AlternateContent xmlns:mc="http://schemas.openxmlformats.org/markup-compatibility/2006" xmlns:a14="http://schemas.microsoft.com/office/drawing/2010/main">
-        <mc:Choice Requires="a14">
+      <mc:AlternateContent xmlns:mc="http://schemas.openxmlformats.org/markup-compatibility/2006">
+        <mc:Choice xmlns:a14="http://schemas.microsoft.com/office/drawing/2010/main" Requires="a14">
           <p:sp>
             <p:nvSpPr>
               <p:cNvPr id="4" name="Content Placeholder 3"/>
@@ -14183,7 +14198,7 @@
             <p:spPr/>
             <p:txBody>
               <a:bodyPr>
-                <a:normAutofit fontScale="85000" lnSpcReduction="20000"/>
+                <a:normAutofit fontScale="92500" lnSpcReduction="20000"/>
               </a:bodyPr>
               <a:lstStyle/>
               <a:p>
@@ -14252,7 +14267,7 @@
             </p:txBody>
           </p:sp>
         </mc:Choice>
-        <mc:Fallback xmlns="">
+        <mc:Fallback>
           <p:sp>
             <p:nvSpPr>
               <p:cNvPr id="4" name="Content Placeholder 3"/>
@@ -14267,7 +14282,7 @@
               <a:blipFill>
                 <a:blip r:embed="rId2"/>
                 <a:stretch>
-                  <a:fillRect l="-1647" t="-3221" r="-2000"/>
+                  <a:fillRect l="-1670" t="-3019" r="-1559"/>
                 </a:stretch>
               </a:blipFill>
             </p:spPr>
@@ -14303,7 +14318,7 @@
           <a:p>
             <a:fld id="{E7244459-F2A5-4FF9-8125-3DD79827DEF5}" type="datetime1">
               <a:rPr lang="en-US" smtClean="0"/>
-              <a:t>8/1/2018</a:t>
+              <a:t>8/11/2018</a:t>
             </a:fld>
             <a:endParaRPr lang="en-US" dirty="0"/>
           </a:p>
@@ -14482,7 +14497,7 @@
           <a:p>
             <a:fld id="{E7244459-F2A5-4FF9-8125-3DD79827DEF5}" type="datetime1">
               <a:rPr lang="en-US" smtClean="0"/>
-              <a:t>8/1/2018</a:t>
+              <a:t>8/11/2018</a:t>
             </a:fld>
             <a:endParaRPr lang="en-US" dirty="0"/>
           </a:p>
@@ -16109,7 +16124,7 @@
           <a:p>
             <a:fld id="{E7244459-F2A5-4FF9-8125-3DD79827DEF5}" type="datetime1">
               <a:rPr lang="en-US" smtClean="0"/>
-              <a:t>8/1/2018</a:t>
+              <a:t>8/11/2018</a:t>
             </a:fld>
             <a:endParaRPr lang="en-US" dirty="0"/>
           </a:p>
@@ -18741,7 +18756,7 @@
           <a:p>
             <a:fld id="{E7244459-F2A5-4FF9-8125-3DD79827DEF5}" type="datetime1">
               <a:rPr lang="en-US" smtClean="0"/>
-              <a:t>8/1/2018</a:t>
+              <a:t>8/11/2018</a:t>
             </a:fld>
             <a:endParaRPr lang="en-US" dirty="0"/>
           </a:p>
@@ -19061,7 +19076,7 @@
   <a:extraClrSchemeLst/>
   <a:extLst>
     <a:ext uri="{05A4C25C-085E-4340-85A3-A5531E510DB2}">
-      <thm15:themeFamily xmlns:thm15="http://schemas.microsoft.com/office/thememl/2012/main" name="Lesson 12 - Data Analytics - GLMs" id="{2D671843-01B0-4809-83B7-DCD6022711AC}" vid="{631529AC-459A-4F8A-9050-54C0368E42C7}"/>
+      <thm15:themeFamily xmlns:thm15="http://schemas.microsoft.com/office/thememl/2012/main" name="Analytics_World" id="{0D0CA6F4-4249-491F-90A1-38D2E759BAFB}" vid="{73C02A8C-8EF0-4E7B-9EF2-CA7EFEB1E564}"/>
     </a:ext>
   </a:extLst>
 </a:theme>
